--- a/4 - Plots/Weber Presentation.ppx.pptx
+++ b/4 - Plots/Weber Presentation.ppx.pptx
@@ -5,7 +5,7 @@
     <p:sldMasterId id="2147483648" r:id="rId1"/>
   </p:sldMasterIdLst>
   <p:notesMasterIdLst>
-    <p:notesMasterId r:id="rId21"/>
+    <p:notesMasterId r:id="rId22"/>
   </p:notesMasterIdLst>
   <p:sldIdLst>
     <p:sldId id="256" r:id="rId2"/>
@@ -20,13 +20,14 @@
     <p:sldId id="278" r:id="rId11"/>
     <p:sldId id="269" r:id="rId12"/>
     <p:sldId id="267" r:id="rId13"/>
-    <p:sldId id="268" r:id="rId14"/>
-    <p:sldId id="270" r:id="rId15"/>
-    <p:sldId id="274" r:id="rId16"/>
-    <p:sldId id="271" r:id="rId17"/>
-    <p:sldId id="272" r:id="rId18"/>
-    <p:sldId id="275" r:id="rId19"/>
-    <p:sldId id="277" r:id="rId20"/>
+    <p:sldId id="279" r:id="rId14"/>
+    <p:sldId id="268" r:id="rId15"/>
+    <p:sldId id="270" r:id="rId16"/>
+    <p:sldId id="274" r:id="rId17"/>
+    <p:sldId id="271" r:id="rId18"/>
+    <p:sldId id="272" r:id="rId19"/>
+    <p:sldId id="275" r:id="rId20"/>
+    <p:sldId id="277" r:id="rId21"/>
   </p:sldIdLst>
   <p:sldSz cx="12192000" cy="6858000"/>
   <p:notesSz cx="6858000" cy="9144000"/>
@@ -4263,6 +4264,66 @@
       </p:grpSpPr>
       <p:pic>
         <p:nvPicPr>
+          <p:cNvPr id="2" name="Picture 1">
+            <a:extLst>
+              <a:ext uri="{FF2B5EF4-FFF2-40B4-BE49-F238E27FC236}">
+                <a16:creationId xmlns:a16="http://schemas.microsoft.com/office/drawing/2014/main" id="{6071783D-11D8-4FEB-B0CC-EA5515A63AED}"/>
+              </a:ext>
+            </a:extLst>
+          </p:cNvPr>
+          <p:cNvPicPr>
+            <a:picLocks noChangeAspect="1"/>
+          </p:cNvPicPr>
+          <p:nvPr/>
+        </p:nvPicPr>
+        <p:blipFill>
+          <a:blip r:embed="rId2"/>
+          <a:stretch>
+            <a:fillRect/>
+          </a:stretch>
+        </p:blipFill>
+        <p:spPr>
+          <a:xfrm>
+            <a:off x="497300" y="407963"/>
+            <a:ext cx="11400006" cy="5936565"/>
+          </a:xfrm>
+          <a:prstGeom prst="rect">
+            <a:avLst/>
+          </a:prstGeom>
+        </p:spPr>
+      </p:pic>
+    </p:spTree>
+    <p:extLst>
+      <p:ext uri="{BB962C8B-B14F-4D97-AF65-F5344CB8AC3E}">
+        <p14:creationId xmlns:p14="http://schemas.microsoft.com/office/powerpoint/2010/main" val="3691355959"/>
+      </p:ext>
+    </p:extLst>
+  </p:cSld>
+  <p:clrMapOvr>
+    <a:masterClrMapping/>
+  </p:clrMapOvr>
+</p:sld>
+</file>
+
+<file path=ppt/slides/slide14.xml><?xml version="1.0" encoding="utf-8"?>
+<p:sld xmlns:a="http://schemas.openxmlformats.org/drawingml/2006/main" xmlns:r="http://schemas.openxmlformats.org/officeDocument/2006/relationships" xmlns:p="http://schemas.openxmlformats.org/presentationml/2006/main">
+  <p:cSld>
+    <p:spTree>
+      <p:nvGrpSpPr>
+        <p:cNvPr id="1" name=""/>
+        <p:cNvGrpSpPr/>
+        <p:nvPr/>
+      </p:nvGrpSpPr>
+      <p:grpSpPr>
+        <a:xfrm>
+          <a:off x="0" y="0"/>
+          <a:ext cx="0" cy="0"/>
+          <a:chOff x="0" y="0"/>
+          <a:chExt cx="0" cy="0"/>
+        </a:xfrm>
+      </p:grpSpPr>
+      <p:pic>
+        <p:nvPicPr>
           <p:cNvPr id="3" name="Picture 2" descr="A picture containing text, map&#10;&#10;Description automatically generated">
             <a:extLst>
               <a:ext uri="{FF2B5EF4-FFF2-40B4-BE49-F238E27FC236}">
@@ -4310,7 +4371,7 @@
 </p:sld>
 </file>
 
-<file path=ppt/slides/slide14.xml><?xml version="1.0" encoding="utf-8"?>
+<file path=ppt/slides/slide15.xml><?xml version="1.0" encoding="utf-8"?>
 <p:sld xmlns:a="http://schemas.openxmlformats.org/drawingml/2006/main" xmlns:r="http://schemas.openxmlformats.org/officeDocument/2006/relationships" xmlns:p="http://schemas.openxmlformats.org/presentationml/2006/main">
   <p:cSld>
     <p:spTree>
@@ -4376,7 +4437,7 @@
 </p:sld>
 </file>
 
-<file path=ppt/slides/slide15.xml><?xml version="1.0" encoding="utf-8"?>
+<file path=ppt/slides/slide16.xml><?xml version="1.0" encoding="utf-8"?>
 <p:sld xmlns:a="http://schemas.openxmlformats.org/drawingml/2006/main" xmlns:r="http://schemas.openxmlformats.org/officeDocument/2006/relationships" xmlns:p="http://schemas.openxmlformats.org/presentationml/2006/main">
   <p:cSld>
     <p:spTree>
@@ -4442,7 +4503,7 @@
 </p:sld>
 </file>
 
-<file path=ppt/slides/slide16.xml><?xml version="1.0" encoding="utf-8"?>
+<file path=ppt/slides/slide17.xml><?xml version="1.0" encoding="utf-8"?>
 <p:sld xmlns:a="http://schemas.openxmlformats.org/drawingml/2006/main" xmlns:r="http://schemas.openxmlformats.org/officeDocument/2006/relationships" xmlns:p="http://schemas.openxmlformats.org/presentationml/2006/main">
   <p:cSld>
     <p:spTree>
@@ -4508,7 +4569,7 @@
 </p:sld>
 </file>
 
-<file path=ppt/slides/slide17.xml><?xml version="1.0" encoding="utf-8"?>
+<file path=ppt/slides/slide18.xml><?xml version="1.0" encoding="utf-8"?>
 <p:sld xmlns:a="http://schemas.openxmlformats.org/drawingml/2006/main" xmlns:r="http://schemas.openxmlformats.org/officeDocument/2006/relationships" xmlns:p="http://schemas.openxmlformats.org/presentationml/2006/main">
   <p:cSld>
     <p:spTree>
@@ -4538,146 +4599,6 @@
 </p:sld>
 </file>
 
-<file path=ppt/slides/slide18.xml><?xml version="1.0" encoding="utf-8"?>
-<p:sld xmlns:a="http://schemas.openxmlformats.org/drawingml/2006/main" xmlns:r="http://schemas.openxmlformats.org/officeDocument/2006/relationships" xmlns:p="http://schemas.openxmlformats.org/presentationml/2006/main">
-  <p:cSld>
-    <p:spTree>
-      <p:nvGrpSpPr>
-        <p:cNvPr id="1" name=""/>
-        <p:cNvGrpSpPr/>
-        <p:nvPr/>
-      </p:nvGrpSpPr>
-      <p:grpSpPr>
-        <a:xfrm>
-          <a:off x="0" y="0"/>
-          <a:ext cx="0" cy="0"/>
-          <a:chOff x="0" y="0"/>
-          <a:chExt cx="0" cy="0"/>
-        </a:xfrm>
-      </p:grpSpPr>
-      <p:sp>
-        <p:nvSpPr>
-          <p:cNvPr id="2" name="Title 1">
-            <a:extLst>
-              <a:ext uri="{FF2B5EF4-FFF2-40B4-BE49-F238E27FC236}">
-                <a16:creationId xmlns:a16="http://schemas.microsoft.com/office/drawing/2014/main" id="{5D868EF7-AEDA-4127-B14F-572680FD1748}"/>
-              </a:ext>
-            </a:extLst>
-          </p:cNvPr>
-          <p:cNvSpPr>
-            <a:spLocks noGrp="1"/>
-          </p:cNvSpPr>
-          <p:nvPr>
-            <p:ph type="title"/>
-          </p:nvPr>
-        </p:nvSpPr>
-        <p:spPr/>
-        <p:txBody>
-          <a:bodyPr/>
-          <a:lstStyle/>
-          <a:p>
-            <a:r>
-              <a:rPr lang="en-US" dirty="0"/>
-              <a:t>Key Vulnerabilities</a:t>
-            </a:r>
-          </a:p>
-        </p:txBody>
-      </p:sp>
-      <p:sp>
-        <p:nvSpPr>
-          <p:cNvPr id="3" name="Content Placeholder 2">
-            <a:extLst>
-              <a:ext uri="{FF2B5EF4-FFF2-40B4-BE49-F238E27FC236}">
-                <a16:creationId xmlns:a16="http://schemas.microsoft.com/office/drawing/2014/main" id="{85F2FD4B-5983-4106-A3E8-622356A82741}"/>
-              </a:ext>
-            </a:extLst>
-          </p:cNvPr>
-          <p:cNvSpPr>
-            <a:spLocks noGrp="1"/>
-          </p:cNvSpPr>
-          <p:nvPr>
-            <p:ph idx="1"/>
-          </p:nvPr>
-        </p:nvSpPr>
-        <p:spPr/>
-        <p:txBody>
-          <a:bodyPr/>
-          <a:lstStyle/>
-          <a:p>
-            <a:r>
-              <a:rPr lang="en-US" dirty="0"/>
-              <a:t>Sedimentation</a:t>
-            </a:r>
-          </a:p>
-          <a:p>
-            <a:r>
-              <a:rPr lang="en-US" dirty="0"/>
-              <a:t>High Demand (</a:t>
-            </a:r>
-            <a:r>
-              <a:rPr lang="en-US" i="1" dirty="0"/>
-              <a:t>what level?)</a:t>
-            </a:r>
-          </a:p>
-          <a:p>
-            <a:pPr lvl="1"/>
-            <a:r>
-              <a:rPr lang="en-US" dirty="0"/>
-              <a:t>Level</a:t>
-            </a:r>
-          </a:p>
-          <a:p>
-            <a:r>
-              <a:rPr lang="en-US" dirty="0"/>
-              <a:t>Low Inflows (</a:t>
-            </a:r>
-            <a:r>
-              <a:rPr lang="en-US" i="1" dirty="0"/>
-              <a:t>what level?)</a:t>
-            </a:r>
-          </a:p>
-          <a:p>
-            <a:pPr lvl="1"/>
-            <a:r>
-              <a:rPr lang="en-US" dirty="0"/>
-              <a:t>Level</a:t>
-            </a:r>
-          </a:p>
-          <a:p>
-            <a:r>
-              <a:rPr lang="en-US" dirty="0"/>
-              <a:t>Combinations</a:t>
-            </a:r>
-          </a:p>
-          <a:p>
-            <a:pPr lvl="1"/>
-            <a:r>
-              <a:rPr lang="en-US" dirty="0"/>
-              <a:t>Levels</a:t>
-            </a:r>
-          </a:p>
-          <a:p>
-            <a:pPr lvl="1"/>
-            <a:r>
-              <a:rPr lang="en-US" dirty="0"/>
-              <a:t>Levels</a:t>
-            </a:r>
-          </a:p>
-        </p:txBody>
-      </p:sp>
-    </p:spTree>
-    <p:extLst>
-      <p:ext uri="{BB962C8B-B14F-4D97-AF65-F5344CB8AC3E}">
-        <p14:creationId xmlns:p14="http://schemas.microsoft.com/office/powerpoint/2010/main" val="3828509563"/>
-      </p:ext>
-    </p:extLst>
-  </p:cSld>
-  <p:clrMapOvr>
-    <a:masterClrMapping/>
-  </p:clrMapOvr>
-</p:sld>
-</file>
-
 <file path=ppt/slides/slide19.xml><?xml version="1.0" encoding="utf-8"?>
 <p:sld xmlns:a="http://schemas.openxmlformats.org/drawingml/2006/main" xmlns:r="http://schemas.openxmlformats.org/officeDocument/2006/relationships" xmlns:p="http://schemas.openxmlformats.org/presentationml/2006/main">
   <p:cSld>
@@ -4700,15 +4621,15 @@
           <p:cNvPr id="2" name="Title 1">
             <a:extLst>
               <a:ext uri="{FF2B5EF4-FFF2-40B4-BE49-F238E27FC236}">
-                <a16:creationId xmlns:a16="http://schemas.microsoft.com/office/drawing/2014/main" id="{4EC025F4-2C7C-4E42-BD31-4CD8C342DEF3}"/>
-              </a:ext>
-            </a:extLst>
-          </p:cNvPr>
-          <p:cNvSpPr>
-            <a:spLocks noGrp="1"/>
-          </p:cNvSpPr>
-          <p:nvPr>
-            <p:ph type="ctrTitle"/>
+                <a16:creationId xmlns:a16="http://schemas.microsoft.com/office/drawing/2014/main" id="{5D868EF7-AEDA-4127-B14F-572680FD1748}"/>
+              </a:ext>
+            </a:extLst>
+          </p:cNvPr>
+          <p:cNvSpPr>
+            <a:spLocks noGrp="1"/>
+          </p:cNvSpPr>
+          <p:nvPr>
+            <p:ph type="title"/>
           </p:nvPr>
         </p:nvSpPr>
         <p:spPr/>
@@ -4717,27 +4638,26 @@
           <a:lstStyle/>
           <a:p>
             <a:r>
-              <a:rPr lang="en-US"/>
-              <a:t>Questions</a:t>
-            </a:r>
-            <a:endParaRPr lang="en-US" dirty="0"/>
-          </a:p>
-        </p:txBody>
-      </p:sp>
-      <p:sp>
-        <p:nvSpPr>
-          <p:cNvPr id="3" name="Subtitle 2">
-            <a:extLst>
-              <a:ext uri="{FF2B5EF4-FFF2-40B4-BE49-F238E27FC236}">
-                <a16:creationId xmlns:a16="http://schemas.microsoft.com/office/drawing/2014/main" id="{56DAD7BB-9116-4AA5-9919-EBBA2982F5BD}"/>
-              </a:ext>
-            </a:extLst>
-          </p:cNvPr>
-          <p:cNvSpPr>
-            <a:spLocks noGrp="1"/>
-          </p:cNvSpPr>
-          <p:nvPr>
-            <p:ph type="subTitle" idx="1"/>
+              <a:rPr lang="en-US" dirty="0"/>
+              <a:t>Key Vulnerabilities</a:t>
+            </a:r>
+          </a:p>
+        </p:txBody>
+      </p:sp>
+      <p:sp>
+        <p:nvSpPr>
+          <p:cNvPr id="3" name="Content Placeholder 2">
+            <a:extLst>
+              <a:ext uri="{FF2B5EF4-FFF2-40B4-BE49-F238E27FC236}">
+                <a16:creationId xmlns:a16="http://schemas.microsoft.com/office/drawing/2014/main" id="{85F2FD4B-5983-4106-A3E8-622356A82741}"/>
+              </a:ext>
+            </a:extLst>
+          </p:cNvPr>
+          <p:cNvSpPr>
+            <a:spLocks noGrp="1"/>
+          </p:cNvSpPr>
+          <p:nvPr>
+            <p:ph idx="1"/>
           </p:nvPr>
         </p:nvSpPr>
         <p:spPr/>
@@ -4745,14 +4665,71 @@
           <a:bodyPr/>
           <a:lstStyle/>
           <a:p>
-            <a:endParaRPr lang="en-US" dirty="0"/>
+            <a:r>
+              <a:rPr lang="en-US" dirty="0"/>
+              <a:t>Sedimentation</a:t>
+            </a:r>
+          </a:p>
+          <a:p>
+            <a:r>
+              <a:rPr lang="en-US" dirty="0"/>
+              <a:t>High Demand (</a:t>
+            </a:r>
+            <a:r>
+              <a:rPr lang="en-US" i="1" dirty="0"/>
+              <a:t>what level?)</a:t>
+            </a:r>
+          </a:p>
+          <a:p>
+            <a:pPr lvl="1"/>
+            <a:r>
+              <a:rPr lang="en-US" dirty="0"/>
+              <a:t>Level</a:t>
+            </a:r>
+          </a:p>
+          <a:p>
+            <a:r>
+              <a:rPr lang="en-US" dirty="0"/>
+              <a:t>Low Inflows (</a:t>
+            </a:r>
+            <a:r>
+              <a:rPr lang="en-US" i="1" dirty="0"/>
+              <a:t>what level?)</a:t>
+            </a:r>
+          </a:p>
+          <a:p>
+            <a:pPr lvl="1"/>
+            <a:r>
+              <a:rPr lang="en-US" dirty="0"/>
+              <a:t>Level</a:t>
+            </a:r>
+          </a:p>
+          <a:p>
+            <a:r>
+              <a:rPr lang="en-US" dirty="0"/>
+              <a:t>Combinations</a:t>
+            </a:r>
+          </a:p>
+          <a:p>
+            <a:pPr lvl="1"/>
+            <a:r>
+              <a:rPr lang="en-US" dirty="0"/>
+              <a:t>Levels</a:t>
+            </a:r>
+          </a:p>
+          <a:p>
+            <a:pPr lvl="1"/>
+            <a:r>
+              <a:rPr lang="en-US" dirty="0"/>
+              <a:t>Levels</a:t>
+            </a:r>
           </a:p>
         </p:txBody>
       </p:sp>
     </p:spTree>
     <p:extLst>
       <p:ext uri="{BB962C8B-B14F-4D97-AF65-F5344CB8AC3E}">
-        <p14:creationId xmlns:p14="http://schemas.microsoft.com/office/powerpoint/2010/main" val="2335461377"/>
+        <p14:creationId xmlns:p14="http://schemas.microsoft.com/office/powerpoint/2010/main" val="3828509563"/>
       </p:ext>
     </p:extLst>
   </p:cSld>
@@ -6073,6 +6050,90 @@
     <p:extLst>
       <p:ext uri="{BB962C8B-B14F-4D97-AF65-F5344CB8AC3E}">
         <p14:creationId xmlns:p14="http://schemas.microsoft.com/office/powerpoint/2010/main" val="2096707758"/>
+      </p:ext>
+    </p:extLst>
+  </p:cSld>
+  <p:clrMapOvr>
+    <a:masterClrMapping/>
+  </p:clrMapOvr>
+</p:sld>
+</file>
+
+<file path=ppt/slides/slide20.xml><?xml version="1.0" encoding="utf-8"?>
+<p:sld xmlns:a="http://schemas.openxmlformats.org/drawingml/2006/main" xmlns:r="http://schemas.openxmlformats.org/officeDocument/2006/relationships" xmlns:p="http://schemas.openxmlformats.org/presentationml/2006/main">
+  <p:cSld>
+    <p:spTree>
+      <p:nvGrpSpPr>
+        <p:cNvPr id="1" name=""/>
+        <p:cNvGrpSpPr/>
+        <p:nvPr/>
+      </p:nvGrpSpPr>
+      <p:grpSpPr>
+        <a:xfrm>
+          <a:off x="0" y="0"/>
+          <a:ext cx="0" cy="0"/>
+          <a:chOff x="0" y="0"/>
+          <a:chExt cx="0" cy="0"/>
+        </a:xfrm>
+      </p:grpSpPr>
+      <p:sp>
+        <p:nvSpPr>
+          <p:cNvPr id="2" name="Title 1">
+            <a:extLst>
+              <a:ext uri="{FF2B5EF4-FFF2-40B4-BE49-F238E27FC236}">
+                <a16:creationId xmlns:a16="http://schemas.microsoft.com/office/drawing/2014/main" id="{4EC025F4-2C7C-4E42-BD31-4CD8C342DEF3}"/>
+              </a:ext>
+            </a:extLst>
+          </p:cNvPr>
+          <p:cNvSpPr>
+            <a:spLocks noGrp="1"/>
+          </p:cNvSpPr>
+          <p:nvPr>
+            <p:ph type="ctrTitle"/>
+          </p:nvPr>
+        </p:nvSpPr>
+        <p:spPr/>
+        <p:txBody>
+          <a:bodyPr/>
+          <a:lstStyle/>
+          <a:p>
+            <a:r>
+              <a:rPr lang="en-US"/>
+              <a:t>Questions</a:t>
+            </a:r>
+            <a:endParaRPr lang="en-US" dirty="0"/>
+          </a:p>
+        </p:txBody>
+      </p:sp>
+      <p:sp>
+        <p:nvSpPr>
+          <p:cNvPr id="3" name="Subtitle 2">
+            <a:extLst>
+              <a:ext uri="{FF2B5EF4-FFF2-40B4-BE49-F238E27FC236}">
+                <a16:creationId xmlns:a16="http://schemas.microsoft.com/office/drawing/2014/main" id="{56DAD7BB-9116-4AA5-9919-EBBA2982F5BD}"/>
+              </a:ext>
+            </a:extLst>
+          </p:cNvPr>
+          <p:cNvSpPr>
+            <a:spLocks noGrp="1"/>
+          </p:cNvSpPr>
+          <p:nvPr>
+            <p:ph type="subTitle" idx="1"/>
+          </p:nvPr>
+        </p:nvSpPr>
+        <p:spPr/>
+        <p:txBody>
+          <a:bodyPr/>
+          <a:lstStyle/>
+          <a:p>
+            <a:endParaRPr lang="en-US" dirty="0"/>
+          </a:p>
+        </p:txBody>
+      </p:sp>
+    </p:spTree>
+    <p:extLst>
+      <p:ext uri="{BB962C8B-B14F-4D97-AF65-F5344CB8AC3E}">
+        <p14:creationId xmlns:p14="http://schemas.microsoft.com/office/powerpoint/2010/main" val="2335461377"/>
       </p:ext>
     </p:extLst>
   </p:cSld>
